--- a/Licenta2019UrseDaniel/Prezentare AskME.pptx
+++ b/Licenta2019UrseDaniel/Prezentare AskME.pptx
@@ -5,7 +5,7 @@
     <p:sldMasterId id="2147483660" r:id="rId1"/>
   </p:sldMasterIdLst>
   <p:notesMasterIdLst>
-    <p:notesMasterId r:id="rId11"/>
+    <p:notesMasterId r:id="rId12"/>
   </p:notesMasterIdLst>
   <p:sldIdLst>
     <p:sldId id="256" r:id="rId2"/>
@@ -15,8 +15,9 @@
     <p:sldId id="262" r:id="rId6"/>
     <p:sldId id="263" r:id="rId7"/>
     <p:sldId id="265" r:id="rId8"/>
-    <p:sldId id="264" r:id="rId9"/>
-    <p:sldId id="266" r:id="rId10"/>
+    <p:sldId id="267" r:id="rId9"/>
+    <p:sldId id="264" r:id="rId10"/>
+    <p:sldId id="266" r:id="rId11"/>
   </p:sldIdLst>
   <p:sldSz cx="12192000" cy="6858000"/>
   <p:notesSz cx="6858000" cy="9144000"/>
@@ -115,6 +116,11 @@
       </a:defRPr>
     </a:lvl9pPr>
   </p:defaultTextStyle>
+  <p:extLst>
+    <p:ext uri="{EFAFB233-063F-42B5-8137-9DF3F51BA10A}">
+      <p15:sldGuideLst xmlns:p15="http://schemas.microsoft.com/office/powerpoint/2012/main"/>
+    </p:ext>
+  </p:extLst>
 </p:presentation>
 </file>
 
@@ -200,7 +206,7 @@
           <a:p>
             <a:fld id="{4A1822E3-78C2-49D4-A036-A1419C4F01F1}" type="datetimeFigureOut">
               <a:rPr lang="en-US" smtClean="0"/>
-              <a:t>6/29/2019</a:t>
+              <a:t>7/5/2019</a:t>
             </a:fld>
             <a:endParaRPr lang="en-US"/>
           </a:p>
@@ -887,7 +893,7 @@
           <a:p>
             <a:fld id="{65B3B8AD-5C99-4771-855D-A726E5E274BD}" type="datetimeFigureOut">
               <a:rPr lang="en-US" smtClean="0"/>
-              <a:t>6/29/2019</a:t>
+              <a:t>7/5/2019</a:t>
             </a:fld>
             <a:endParaRPr lang="en-US"/>
           </a:p>
@@ -1975,7 +1981,7 @@
           <a:p>
             <a:fld id="{65B3B8AD-5C99-4771-855D-A726E5E274BD}" type="datetimeFigureOut">
               <a:rPr lang="en-US" smtClean="0"/>
-              <a:t>6/29/2019</a:t>
+              <a:t>7/5/2019</a:t>
             </a:fld>
             <a:endParaRPr lang="en-US"/>
           </a:p>
@@ -2955,7 +2961,7 @@
           <a:p>
             <a:fld id="{65B3B8AD-5C99-4771-855D-A726E5E274BD}" type="datetimeFigureOut">
               <a:rPr lang="en-US" smtClean="0"/>
-              <a:t>6/29/2019</a:t>
+              <a:t>7/5/2019</a:t>
             </a:fld>
             <a:endParaRPr lang="en-US"/>
           </a:p>
@@ -4089,7 +4095,7 @@
           <a:p>
             <a:fld id="{65B3B8AD-5C99-4771-855D-A726E5E274BD}" type="datetimeFigureOut">
               <a:rPr lang="en-US" smtClean="0"/>
-              <a:t>6/29/2019</a:t>
+              <a:t>7/5/2019</a:t>
             </a:fld>
             <a:endParaRPr lang="en-US"/>
           </a:p>
@@ -5122,7 +5128,7 @@
           <a:p>
             <a:fld id="{65B3B8AD-5C99-4771-855D-A726E5E274BD}" type="datetimeFigureOut">
               <a:rPr lang="en-US" smtClean="0"/>
-              <a:t>6/29/2019</a:t>
+              <a:t>7/5/2019</a:t>
             </a:fld>
             <a:endParaRPr lang="en-US"/>
           </a:p>
@@ -5782,7 +5788,7 @@
           <a:p>
             <a:fld id="{65B3B8AD-5C99-4771-855D-A726E5E274BD}" type="datetimeFigureOut">
               <a:rPr lang="en-US" smtClean="0"/>
-              <a:t>6/29/2019</a:t>
+              <a:t>7/5/2019</a:t>
             </a:fld>
             <a:endParaRPr lang="en-US"/>
           </a:p>
@@ -6643,7 +6649,7 @@
           <a:p>
             <a:fld id="{65B3B8AD-5C99-4771-855D-A726E5E274BD}" type="datetimeFigureOut">
               <a:rPr lang="en-US" smtClean="0"/>
-              <a:t>6/29/2019</a:t>
+              <a:t>7/5/2019</a:t>
             </a:fld>
             <a:endParaRPr lang="en-US"/>
           </a:p>
@@ -6833,7 +6839,7 @@
           <a:p>
             <a:fld id="{65B3B8AD-5C99-4771-855D-A726E5E274BD}" type="datetimeFigureOut">
               <a:rPr lang="en-US" smtClean="0"/>
-              <a:t>6/29/2019</a:t>
+              <a:t>7/5/2019</a:t>
             </a:fld>
             <a:endParaRPr lang="en-US"/>
           </a:p>
@@ -7805,7 +7811,7 @@
           <a:p>
             <a:fld id="{65B3B8AD-5C99-4771-855D-A726E5E274BD}" type="datetimeFigureOut">
               <a:rPr lang="en-US" smtClean="0"/>
-              <a:t>6/29/2019</a:t>
+              <a:t>7/5/2019</a:t>
             </a:fld>
             <a:endParaRPr lang="en-US"/>
           </a:p>
@@ -8016,7 +8022,7 @@
           <a:p>
             <a:fld id="{65B3B8AD-5C99-4771-855D-A726E5E274BD}" type="datetimeFigureOut">
               <a:rPr lang="en-US" smtClean="0"/>
-              <a:t>6/29/2019</a:t>
+              <a:t>7/5/2019</a:t>
             </a:fld>
             <a:endParaRPr lang="en-US"/>
           </a:p>
@@ -9050,7 +9056,7 @@
           <a:p>
             <a:fld id="{65B3B8AD-5C99-4771-855D-A726E5E274BD}" type="datetimeFigureOut">
               <a:rPr lang="en-US" smtClean="0"/>
-              <a:t>6/29/2019</a:t>
+              <a:t>7/5/2019</a:t>
             </a:fld>
             <a:endParaRPr lang="en-US"/>
           </a:p>
@@ -9322,7 +9328,7 @@
           <a:p>
             <a:fld id="{65B3B8AD-5C99-4771-855D-A726E5E274BD}" type="datetimeFigureOut">
               <a:rPr lang="en-US" smtClean="0"/>
-              <a:t>6/29/2019</a:t>
+              <a:t>7/5/2019</a:t>
             </a:fld>
             <a:endParaRPr lang="en-US"/>
           </a:p>
@@ -9732,7 +9738,7 @@
           <a:p>
             <a:fld id="{65B3B8AD-5C99-4771-855D-A726E5E274BD}" type="datetimeFigureOut">
               <a:rPr lang="en-US" smtClean="0"/>
-              <a:t>6/29/2019</a:t>
+              <a:t>7/5/2019</a:t>
             </a:fld>
             <a:endParaRPr lang="en-US"/>
           </a:p>
@@ -9859,7 +9865,7 @@
           <a:p>
             <a:fld id="{65B3B8AD-5C99-4771-855D-A726E5E274BD}" type="datetimeFigureOut">
               <a:rPr lang="en-US" smtClean="0"/>
-              <a:t>6/29/2019</a:t>
+              <a:t>7/5/2019</a:t>
             </a:fld>
             <a:endParaRPr lang="en-US"/>
           </a:p>
@@ -9954,7 +9960,7 @@
           <a:p>
             <a:fld id="{65B3B8AD-5C99-4771-855D-A726E5E274BD}" type="datetimeFigureOut">
               <a:rPr lang="en-US" smtClean="0"/>
-              <a:t>6/29/2019</a:t>
+              <a:t>7/5/2019</a:t>
             </a:fld>
             <a:endParaRPr lang="en-US"/>
           </a:p>
@@ -11035,7 +11041,7 @@
           <a:p>
             <a:fld id="{65B3B8AD-5C99-4771-855D-A726E5E274BD}" type="datetimeFigureOut">
               <a:rPr lang="en-US" smtClean="0"/>
-              <a:t>6/29/2019</a:t>
+              <a:t>7/5/2019</a:t>
             </a:fld>
             <a:endParaRPr lang="en-US"/>
           </a:p>
@@ -12143,7 +12149,7 @@
           <a:p>
             <a:fld id="{65B3B8AD-5C99-4771-855D-A726E5E274BD}" type="datetimeFigureOut">
               <a:rPr lang="en-US" smtClean="0"/>
-              <a:t>6/29/2019</a:t>
+              <a:t>7/5/2019</a:t>
             </a:fld>
             <a:endParaRPr lang="en-US"/>
           </a:p>
@@ -13140,7 +13146,7 @@
           <a:p>
             <a:fld id="{65B3B8AD-5C99-4771-855D-A726E5E274BD}" type="datetimeFigureOut">
               <a:rPr lang="en-US" smtClean="0"/>
-              <a:t>6/29/2019</a:t>
+              <a:t>7/5/2019</a:t>
             </a:fld>
             <a:endParaRPr lang="en-US"/>
           </a:p>
@@ -13808,6 +13814,78 @@
 </p:sld>
 </file>
 
+<file path=ppt/slides/slide10.xml><?xml version="1.0" encoding="utf-8"?>
+<p:sld xmlns:a="http://schemas.openxmlformats.org/drawingml/2006/main" xmlns:r="http://schemas.openxmlformats.org/officeDocument/2006/relationships" xmlns:p="http://schemas.openxmlformats.org/presentationml/2006/main">
+  <p:cSld>
+    <p:spTree>
+      <p:nvGrpSpPr>
+        <p:cNvPr id="1" name=""/>
+        <p:cNvGrpSpPr/>
+        <p:nvPr/>
+      </p:nvGrpSpPr>
+      <p:grpSpPr>
+        <a:xfrm>
+          <a:off x="0" y="0"/>
+          <a:ext cx="0" cy="0"/>
+          <a:chOff x="0" y="0"/>
+          <a:chExt cx="0" cy="0"/>
+        </a:xfrm>
+      </p:grpSpPr>
+      <p:sp>
+        <p:nvSpPr>
+          <p:cNvPr id="4" name="Title 3"/>
+          <p:cNvSpPr>
+            <a:spLocks noGrp="1"/>
+          </p:cNvSpPr>
+          <p:nvPr>
+            <p:ph type="ctrTitle"/>
+          </p:nvPr>
+        </p:nvSpPr>
+        <p:spPr/>
+        <p:txBody>
+          <a:bodyPr/>
+          <a:lstStyle/>
+          <a:p>
+            <a:r>
+              <a:rPr lang="ro-RO" dirty="0" smtClean="0"/>
+              <a:t>Mulțumesc!</a:t>
+            </a:r>
+            <a:endParaRPr lang="en-US" dirty="0"/>
+          </a:p>
+        </p:txBody>
+      </p:sp>
+      <p:sp>
+        <p:nvSpPr>
+          <p:cNvPr id="5" name="Subtitle 4"/>
+          <p:cNvSpPr>
+            <a:spLocks noGrp="1"/>
+          </p:cNvSpPr>
+          <p:nvPr>
+            <p:ph type="subTitle" idx="1"/>
+          </p:nvPr>
+        </p:nvSpPr>
+        <p:spPr/>
+        <p:txBody>
+          <a:bodyPr/>
+          <a:lstStyle/>
+          <a:p>
+            <a:endParaRPr lang="en-US"/>
+          </a:p>
+        </p:txBody>
+      </p:sp>
+    </p:spTree>
+    <p:extLst>
+      <p:ext uri="{BB962C8B-B14F-4D97-AF65-F5344CB8AC3E}">
+        <p14:creationId xmlns:p14="http://schemas.microsoft.com/office/powerpoint/2010/main" val="3953741376"/>
+      </p:ext>
+    </p:extLst>
+  </p:cSld>
+  <p:clrMapOvr>
+    <a:masterClrMapping/>
+  </p:clrMapOvr>
+</p:sld>
+</file>
+
 <file path=ppt/slides/slide2.xml><?xml version="1.0" encoding="utf-8"?>
 <p:sld xmlns:a="http://schemas.openxmlformats.org/drawingml/2006/main" xmlns:r="http://schemas.openxmlformats.org/officeDocument/2006/relationships" xmlns:p="http://schemas.openxmlformats.org/presentationml/2006/main">
   <p:cSld>
@@ -14701,7 +14779,7 @@
       </p:grpSpPr>
       <p:sp>
         <p:nvSpPr>
-          <p:cNvPr id="2" name="Title 1"/>
+          <p:cNvPr id="4" name="Title 3"/>
           <p:cNvSpPr>
             <a:spLocks noGrp="1"/>
           </p:cNvSpPr>
@@ -14716,15 +14794,11 @@
           <a:p>
             <a:r>
               <a:rPr lang="en-US" dirty="0" err="1" smtClean="0"/>
-              <a:t>Concluzii</a:t>
-            </a:r>
-            <a:r>
-              <a:rPr lang="en-US" dirty="0" smtClean="0"/>
-              <a:t> </a:t>
+              <a:t>Contribu</a:t>
             </a:r>
             <a:r>
               <a:rPr lang="ro-RO" dirty="0" smtClean="0"/>
-              <a:t>și direcții viitoare</a:t>
+              <a:t>ții personale</a:t>
             </a:r>
             <a:endParaRPr lang="en-US" dirty="0"/>
           </a:p>
@@ -14732,7 +14806,7 @@
       </p:sp>
       <p:sp>
         <p:nvSpPr>
-          <p:cNvPr id="3" name="Subtitle 2"/>
+          <p:cNvPr id="5" name="Subtitle 4"/>
           <p:cNvSpPr>
             <a:spLocks noGrp="1"/>
           </p:cNvSpPr>
@@ -14752,7 +14826,7 @@
     </p:spTree>
     <p:extLst>
       <p:ext uri="{BB962C8B-B14F-4D97-AF65-F5344CB8AC3E}">
-        <p14:creationId xmlns:p14="http://schemas.microsoft.com/office/powerpoint/2010/main" val="1645132454"/>
+        <p14:creationId xmlns:p14="http://schemas.microsoft.com/office/powerpoint/2010/main" val="386804205"/>
       </p:ext>
     </p:extLst>
   </p:cSld>
@@ -14781,7 +14855,7 @@
       </p:grpSpPr>
       <p:sp>
         <p:nvSpPr>
-          <p:cNvPr id="4" name="Title 3"/>
+          <p:cNvPr id="2" name="Title 1"/>
           <p:cNvSpPr>
             <a:spLocks noGrp="1"/>
           </p:cNvSpPr>
@@ -14795,8 +14869,16 @@
           <a:lstStyle/>
           <a:p>
             <a:r>
+              <a:rPr lang="en-US" dirty="0" err="1" smtClean="0"/>
+              <a:t>Concluzii</a:t>
+            </a:r>
+            <a:r>
+              <a:rPr lang="en-US" dirty="0" smtClean="0"/>
+              <a:t> </a:t>
+            </a:r>
+            <a:r>
               <a:rPr lang="ro-RO" dirty="0" smtClean="0"/>
-              <a:t>Mulțumesc!</a:t>
+              <a:t>și direcții viitoare</a:t>
             </a:r>
             <a:endParaRPr lang="en-US" dirty="0"/>
           </a:p>
@@ -14804,7 +14886,7 @@
       </p:sp>
       <p:sp>
         <p:nvSpPr>
-          <p:cNvPr id="5" name="Subtitle 4"/>
+          <p:cNvPr id="3" name="Subtitle 2"/>
           <p:cNvSpPr>
             <a:spLocks noGrp="1"/>
           </p:cNvSpPr>
@@ -14824,7 +14906,7 @@
     </p:spTree>
     <p:extLst>
       <p:ext uri="{BB962C8B-B14F-4D97-AF65-F5344CB8AC3E}">
-        <p14:creationId xmlns:p14="http://schemas.microsoft.com/office/powerpoint/2010/main" val="3953741376"/>
+        <p14:creationId xmlns:p14="http://schemas.microsoft.com/office/powerpoint/2010/main" val="1645132454"/>
       </p:ext>
     </p:extLst>
   </p:cSld>

--- a/Licenta2019UrseDaniel/Prezentare AskME.pptx
+++ b/Licenta2019UrseDaniel/Prezentare AskME.pptx
@@ -13963,6 +13963,18 @@
               <a:rPr lang="ro-RO" dirty="0" smtClean="0"/>
               <a:t>Demo</a:t>
             </a:r>
+            <a:endParaRPr lang="en-US" dirty="0" smtClean="0"/>
+          </a:p>
+          <a:p>
+            <a:r>
+              <a:rPr lang="en-US" dirty="0" err="1" smtClean="0"/>
+              <a:t>Contribu</a:t>
+            </a:r>
+            <a:r>
+              <a:rPr lang="ro-RO" smtClean="0"/>
+              <a:t>ții personale</a:t>
+            </a:r>
+            <a:endParaRPr lang="ro-RO" dirty="0" smtClean="0"/>
           </a:p>
           <a:p>
             <a:r>
